--- a/PitchSheetMidterm.pptx
+++ b/PitchSheetMidterm.pptx
@@ -8,7 +8,7 @@
     <p:sldId id="256" r:id="rId2"/>
   </p:sldIdLst>
   <p:sldSz cx="6858000" cy="9144000" type="screen4x3"/>
-  <p:notesSz cx="6858000" cy="9144000"/>
+  <p:notesSz cx="6881813" cy="9296400"/>
   <p:defaultTextStyle>
     <a:defPPr>
       <a:defRPr lang="en-US"/>
